--- a/DLS 2팀 발표자료_5월20일.pptx
+++ b/DLS 2팀 발표자료_5월20일.pptx
@@ -7082,6 +7082,38 @@
           </a:p>
         </p:txBody>
       </p:sp>
+      <p:cxnSp>
+        <p:nvCxnSpPr>
+          <p:cNvPr id="2" name="Google Shape;56;p13">
+            <a:extLst>
+              <a:ext uri="{FF2B5EF4-FFF2-40B4-BE49-F238E27FC236}">
+                <a16:creationId xmlns:a16="http://schemas.microsoft.com/office/drawing/2014/main" id="{36B0297E-4802-9FA7-A560-1183D2A38CA5}"/>
+              </a:ext>
+            </a:extLst>
+          </p:cNvPr>
+          <p:cNvCxnSpPr/>
+          <p:nvPr/>
+        </p:nvCxnSpPr>
+        <p:spPr>
+          <a:xfrm>
+            <a:off x="172875" y="-37950"/>
+            <a:ext cx="0" cy="2187000"/>
+          </a:xfrm>
+          <a:prstGeom prst="straightConnector1">
+            <a:avLst/>
+          </a:prstGeom>
+          <a:noFill/>
+          <a:ln w="38100" cap="flat" cmpd="sng">
+            <a:solidFill>
+              <a:schemeClr val="lt1"/>
+            </a:solidFill>
+            <a:prstDash val="solid"/>
+            <a:round/>
+            <a:headEnd w="med" len="med"/>
+            <a:tailEnd w="med" len="med"/>
+          </a:ln>
+        </p:spPr>
+      </p:cxnSp>
     </p:spTree>
     <p:extLst>
       <p:ext uri="{BB962C8B-B14F-4D97-AF65-F5344CB8AC3E}">
@@ -7436,6 +7468,38 @@
           </a:extLst>
         </p:spPr>
       </p:pic>
+      <p:cxnSp>
+        <p:nvCxnSpPr>
+          <p:cNvPr id="2" name="Google Shape;56;p13">
+            <a:extLst>
+              <a:ext uri="{FF2B5EF4-FFF2-40B4-BE49-F238E27FC236}">
+                <a16:creationId xmlns:a16="http://schemas.microsoft.com/office/drawing/2014/main" id="{1857865A-993B-7C6B-BFAA-62CB80C81886}"/>
+              </a:ext>
+            </a:extLst>
+          </p:cNvPr>
+          <p:cNvCxnSpPr/>
+          <p:nvPr/>
+        </p:nvCxnSpPr>
+        <p:spPr>
+          <a:xfrm>
+            <a:off x="172875" y="-37950"/>
+            <a:ext cx="0" cy="2187000"/>
+          </a:xfrm>
+          <a:prstGeom prst="straightConnector1">
+            <a:avLst/>
+          </a:prstGeom>
+          <a:noFill/>
+          <a:ln w="38100" cap="flat" cmpd="sng">
+            <a:solidFill>
+              <a:schemeClr val="lt1"/>
+            </a:solidFill>
+            <a:prstDash val="solid"/>
+            <a:round/>
+            <a:headEnd w="med" len="med"/>
+            <a:tailEnd w="med" len="med"/>
+          </a:ln>
+        </p:spPr>
+      </p:cxnSp>
     </p:spTree>
     <p:extLst>
       <p:ext uri="{BB962C8B-B14F-4D97-AF65-F5344CB8AC3E}">
@@ -7781,6 +7845,38 @@
           </a:extLst>
         </p:spPr>
       </p:pic>
+      <p:cxnSp>
+        <p:nvCxnSpPr>
+          <p:cNvPr id="2" name="Google Shape;56;p13">
+            <a:extLst>
+              <a:ext uri="{FF2B5EF4-FFF2-40B4-BE49-F238E27FC236}">
+                <a16:creationId xmlns:a16="http://schemas.microsoft.com/office/drawing/2014/main" id="{856F25A2-C404-89BB-8C80-C5170C9331CE}"/>
+              </a:ext>
+            </a:extLst>
+          </p:cNvPr>
+          <p:cNvCxnSpPr/>
+          <p:nvPr/>
+        </p:nvCxnSpPr>
+        <p:spPr>
+          <a:xfrm>
+            <a:off x="172875" y="-37950"/>
+            <a:ext cx="0" cy="2187000"/>
+          </a:xfrm>
+          <a:prstGeom prst="straightConnector1">
+            <a:avLst/>
+          </a:prstGeom>
+          <a:noFill/>
+          <a:ln w="38100" cap="flat" cmpd="sng">
+            <a:solidFill>
+              <a:schemeClr val="lt1"/>
+            </a:solidFill>
+            <a:prstDash val="solid"/>
+            <a:round/>
+            <a:headEnd w="med" len="med"/>
+            <a:tailEnd w="med" len="med"/>
+          </a:ln>
+        </p:spPr>
+      </p:cxnSp>
     </p:spTree>
     <p:extLst>
       <p:ext uri="{BB962C8B-B14F-4D97-AF65-F5344CB8AC3E}">
@@ -8214,6 +8310,38 @@
           </a:p>
         </p:txBody>
       </p:sp>
+      <p:cxnSp>
+        <p:nvCxnSpPr>
+          <p:cNvPr id="3" name="Google Shape;56;p13">
+            <a:extLst>
+              <a:ext uri="{FF2B5EF4-FFF2-40B4-BE49-F238E27FC236}">
+                <a16:creationId xmlns:a16="http://schemas.microsoft.com/office/drawing/2014/main" id="{30275782-224B-2494-D458-1E55DBA51BFE}"/>
+              </a:ext>
+            </a:extLst>
+          </p:cNvPr>
+          <p:cNvCxnSpPr/>
+          <p:nvPr/>
+        </p:nvCxnSpPr>
+        <p:spPr>
+          <a:xfrm>
+            <a:off x="172875" y="-37950"/>
+            <a:ext cx="0" cy="2187000"/>
+          </a:xfrm>
+          <a:prstGeom prst="straightConnector1">
+            <a:avLst/>
+          </a:prstGeom>
+          <a:noFill/>
+          <a:ln w="38100" cap="flat" cmpd="sng">
+            <a:solidFill>
+              <a:schemeClr val="lt1"/>
+            </a:solidFill>
+            <a:prstDash val="solid"/>
+            <a:round/>
+            <a:headEnd w="med" len="med"/>
+            <a:tailEnd w="med" len="med"/>
+          </a:ln>
+        </p:spPr>
+      </p:cxnSp>
     </p:spTree>
     <p:extLst>
       <p:ext uri="{BB962C8B-B14F-4D97-AF65-F5344CB8AC3E}">
@@ -11309,84 +11437,6 @@
   <p:clrMapOvr>
     <a:masterClrMapping/>
   </p:clrMapOvr>
-  <p:timing>
-    <p:tnLst>
-      <p:par>
-        <p:cTn id="1" dur="indefinite" restart="never" nodeType="tmRoot">
-          <p:childTnLst>
-            <p:seq concurrent="1" nextAc="seek">
-              <p:cTn id="2" dur="indefinite" nodeType="mainSeq">
-                <p:childTnLst>
-                  <p:par>
-                    <p:cTn id="3" fill="hold">
-                      <p:stCondLst>
-                        <p:cond delay="indefinite"/>
-                      </p:stCondLst>
-                      <p:childTnLst>
-                        <p:par>
-                          <p:cTn id="4" fill="hold">
-                            <p:stCondLst>
-                              <p:cond delay="0"/>
-                            </p:stCondLst>
-                            <p:childTnLst>
-                              <p:par>
-                                <p:cTn id="5" presetID="1" presetClass="entr" presetSubtype="0" fill="hold" grpId="0" nodeType="clickEffect">
-                                  <p:stCondLst>
-                                    <p:cond delay="0"/>
-                                  </p:stCondLst>
-                                  <p:childTnLst>
-                                    <p:set>
-                                      <p:cBhvr>
-                                        <p:cTn id="6" dur="1" fill="hold">
-                                          <p:stCondLst>
-                                            <p:cond delay="0"/>
-                                          </p:stCondLst>
-                                        </p:cTn>
-                                        <p:tgtEl>
-                                          <p:spTgt spid="14"/>
-                                        </p:tgtEl>
-                                        <p:attrNameLst>
-                                          <p:attrName>style.visibility</p:attrName>
-                                        </p:attrNameLst>
-                                      </p:cBhvr>
-                                      <p:to>
-                                        <p:strVal val="visible"/>
-                                      </p:to>
-                                    </p:set>
-                                  </p:childTnLst>
-                                </p:cTn>
-                              </p:par>
-                            </p:childTnLst>
-                          </p:cTn>
-                        </p:par>
-                      </p:childTnLst>
-                    </p:cTn>
-                  </p:par>
-                </p:childTnLst>
-              </p:cTn>
-              <p:prevCondLst>
-                <p:cond evt="onPrev" delay="0">
-                  <p:tgtEl>
-                    <p:sldTgt/>
-                  </p:tgtEl>
-                </p:cond>
-              </p:prevCondLst>
-              <p:nextCondLst>
-                <p:cond evt="onNext" delay="0">
-                  <p:tgtEl>
-                    <p:sldTgt/>
-                  </p:tgtEl>
-                </p:cond>
-              </p:nextCondLst>
-            </p:seq>
-          </p:childTnLst>
-        </p:cTn>
-      </p:par>
-    </p:tnLst>
-    <p:bldLst>
-      <p:bldP spid="14" grpId="0"/>
-    </p:bldLst>
-  </p:timing>
 </p:sld>
 </file>
 
@@ -11796,130 +11846,6 @@
   <p:clrMapOvr>
     <a:masterClrMapping/>
   </p:clrMapOvr>
-  <p:timing>
-    <p:tnLst>
-      <p:par>
-        <p:cTn id="1" dur="indefinite" restart="never" nodeType="tmRoot">
-          <p:childTnLst>
-            <p:seq concurrent="1" nextAc="seek">
-              <p:cTn id="2" dur="indefinite" nodeType="mainSeq">
-                <p:childTnLst>
-                  <p:par>
-                    <p:cTn id="3" fill="hold">
-                      <p:stCondLst>
-                        <p:cond delay="indefinite"/>
-                      </p:stCondLst>
-                      <p:childTnLst>
-                        <p:par>
-                          <p:cTn id="4" fill="hold">
-                            <p:stCondLst>
-                              <p:cond delay="0"/>
-                            </p:stCondLst>
-                            <p:childTnLst>
-                              <p:par>
-                                <p:cTn id="5" presetID="1" presetClass="entr" presetSubtype="0" fill="hold" grpId="0" nodeType="clickEffect">
-                                  <p:stCondLst>
-                                    <p:cond delay="0"/>
-                                  </p:stCondLst>
-                                  <p:childTnLst>
-                                    <p:set>
-                                      <p:cBhvr>
-                                        <p:cTn id="6" dur="1" fill="hold">
-                                          <p:stCondLst>
-                                            <p:cond delay="0"/>
-                                          </p:stCondLst>
-                                        </p:cTn>
-                                        <p:tgtEl>
-                                          <p:spTgt spid="4"/>
-                                        </p:tgtEl>
-                                        <p:attrNameLst>
-                                          <p:attrName>style.visibility</p:attrName>
-                                        </p:attrNameLst>
-                                      </p:cBhvr>
-                                      <p:to>
-                                        <p:strVal val="visible"/>
-                                      </p:to>
-                                    </p:set>
-                                  </p:childTnLst>
-                                </p:cTn>
-                              </p:par>
-                            </p:childTnLst>
-                          </p:cTn>
-                        </p:par>
-                      </p:childTnLst>
-                    </p:cTn>
-                  </p:par>
-                  <p:par>
-                    <p:cTn id="7" fill="hold">
-                      <p:stCondLst>
-                        <p:cond delay="indefinite"/>
-                      </p:stCondLst>
-                      <p:childTnLst>
-                        <p:par>
-                          <p:cTn id="8" fill="hold">
-                            <p:stCondLst>
-                              <p:cond delay="0"/>
-                            </p:stCondLst>
-                            <p:childTnLst>
-                              <p:par>
-                                <p:cTn id="9" presetID="1" presetClass="entr" presetSubtype="0" fill="hold" grpId="0" nodeType="clickEffect">
-                                  <p:stCondLst>
-                                    <p:cond delay="0"/>
-                                  </p:stCondLst>
-                                  <p:childTnLst>
-                                    <p:set>
-                                      <p:cBhvr>
-                                        <p:cTn id="10" dur="1" fill="hold">
-                                          <p:stCondLst>
-                                            <p:cond delay="0"/>
-                                          </p:stCondLst>
-                                        </p:cTn>
-                                        <p:tgtEl>
-                                          <p:spTgt spid="2"/>
-                                        </p:tgtEl>
-                                        <p:attrNameLst>
-                                          <p:attrName>style.visibility</p:attrName>
-                                        </p:attrNameLst>
-                                      </p:cBhvr>
-                                      <p:to>
-                                        <p:strVal val="visible"/>
-                                      </p:to>
-                                    </p:set>
-                                  </p:childTnLst>
-                                </p:cTn>
-                              </p:par>
-                            </p:childTnLst>
-                          </p:cTn>
-                        </p:par>
-                      </p:childTnLst>
-                    </p:cTn>
-                  </p:par>
-                </p:childTnLst>
-              </p:cTn>
-              <p:prevCondLst>
-                <p:cond evt="onPrev" delay="0">
-                  <p:tgtEl>
-                    <p:sldTgt/>
-                  </p:tgtEl>
-                </p:cond>
-              </p:prevCondLst>
-              <p:nextCondLst>
-                <p:cond evt="onNext" delay="0">
-                  <p:tgtEl>
-                    <p:sldTgt/>
-                  </p:tgtEl>
-                </p:cond>
-              </p:nextCondLst>
-            </p:seq>
-          </p:childTnLst>
-        </p:cTn>
-      </p:par>
-    </p:tnLst>
-    <p:bldLst>
-      <p:bldP spid="4" grpId="0"/>
-      <p:bldP spid="2" grpId="0"/>
-    </p:bldLst>
-  </p:timing>
 </p:sld>
 </file>
 
@@ -12353,84 +12279,6 @@
   <p:clrMapOvr>
     <a:masterClrMapping/>
   </p:clrMapOvr>
-  <p:timing>
-    <p:tnLst>
-      <p:par>
-        <p:cTn id="1" dur="indefinite" restart="never" nodeType="tmRoot">
-          <p:childTnLst>
-            <p:seq concurrent="1" nextAc="seek">
-              <p:cTn id="2" dur="indefinite" nodeType="mainSeq">
-                <p:childTnLst>
-                  <p:par>
-                    <p:cTn id="3" fill="hold">
-                      <p:stCondLst>
-                        <p:cond delay="indefinite"/>
-                      </p:stCondLst>
-                      <p:childTnLst>
-                        <p:par>
-                          <p:cTn id="4" fill="hold">
-                            <p:stCondLst>
-                              <p:cond delay="0"/>
-                            </p:stCondLst>
-                            <p:childTnLst>
-                              <p:par>
-                                <p:cTn id="5" presetID="1" presetClass="entr" presetSubtype="0" fill="hold" grpId="0" nodeType="clickEffect">
-                                  <p:stCondLst>
-                                    <p:cond delay="0"/>
-                                  </p:stCondLst>
-                                  <p:childTnLst>
-                                    <p:set>
-                                      <p:cBhvr>
-                                        <p:cTn id="6" dur="1" fill="hold">
-                                          <p:stCondLst>
-                                            <p:cond delay="0"/>
-                                          </p:stCondLst>
-                                        </p:cTn>
-                                        <p:tgtEl>
-                                          <p:spTgt spid="12"/>
-                                        </p:tgtEl>
-                                        <p:attrNameLst>
-                                          <p:attrName>style.visibility</p:attrName>
-                                        </p:attrNameLst>
-                                      </p:cBhvr>
-                                      <p:to>
-                                        <p:strVal val="visible"/>
-                                      </p:to>
-                                    </p:set>
-                                  </p:childTnLst>
-                                </p:cTn>
-                              </p:par>
-                            </p:childTnLst>
-                          </p:cTn>
-                        </p:par>
-                      </p:childTnLst>
-                    </p:cTn>
-                  </p:par>
-                </p:childTnLst>
-              </p:cTn>
-              <p:prevCondLst>
-                <p:cond evt="onPrev" delay="0">
-                  <p:tgtEl>
-                    <p:sldTgt/>
-                  </p:tgtEl>
-                </p:cond>
-              </p:prevCondLst>
-              <p:nextCondLst>
-                <p:cond evt="onNext" delay="0">
-                  <p:tgtEl>
-                    <p:sldTgt/>
-                  </p:tgtEl>
-                </p:cond>
-              </p:nextCondLst>
-            </p:seq>
-          </p:childTnLst>
-        </p:cTn>
-      </p:par>
-    </p:tnLst>
-    <p:bldLst>
-      <p:bldP spid="12" grpId="0"/>
-    </p:bldLst>
-  </p:timing>
 </p:sld>
 </file>
 
@@ -12725,6 +12573,38 @@
           </a:extLst>
         </p:spPr>
       </p:pic>
+      <p:cxnSp>
+        <p:nvCxnSpPr>
+          <p:cNvPr id="2" name="Google Shape;56;p13">
+            <a:extLst>
+              <a:ext uri="{FF2B5EF4-FFF2-40B4-BE49-F238E27FC236}">
+                <a16:creationId xmlns:a16="http://schemas.microsoft.com/office/drawing/2014/main" id="{B7016956-F7F6-CF77-AB25-9B4829DE1629}"/>
+              </a:ext>
+            </a:extLst>
+          </p:cNvPr>
+          <p:cNvCxnSpPr/>
+          <p:nvPr/>
+        </p:nvCxnSpPr>
+        <p:spPr>
+          <a:xfrm>
+            <a:off x="172875" y="-37950"/>
+            <a:ext cx="0" cy="2187000"/>
+          </a:xfrm>
+          <a:prstGeom prst="straightConnector1">
+            <a:avLst/>
+          </a:prstGeom>
+          <a:noFill/>
+          <a:ln w="38100" cap="flat" cmpd="sng">
+            <a:solidFill>
+              <a:schemeClr val="lt1"/>
+            </a:solidFill>
+            <a:prstDash val="solid"/>
+            <a:round/>
+            <a:headEnd w="med" len="med"/>
+            <a:tailEnd w="med" len="med"/>
+          </a:ln>
+        </p:spPr>
+      </p:cxnSp>
     </p:spTree>
     <p:extLst>
       <p:ext uri="{BB962C8B-B14F-4D97-AF65-F5344CB8AC3E}">
@@ -12735,84 +12615,6 @@
   <p:clrMapOvr>
     <a:masterClrMapping/>
   </p:clrMapOvr>
-  <p:timing>
-    <p:tnLst>
-      <p:par>
-        <p:cTn id="1" dur="indefinite" restart="never" nodeType="tmRoot">
-          <p:childTnLst>
-            <p:seq concurrent="1" nextAc="seek">
-              <p:cTn id="2" dur="indefinite" nodeType="mainSeq">
-                <p:childTnLst>
-                  <p:par>
-                    <p:cTn id="3" fill="hold">
-                      <p:stCondLst>
-                        <p:cond delay="indefinite"/>
-                      </p:stCondLst>
-                      <p:childTnLst>
-                        <p:par>
-                          <p:cTn id="4" fill="hold">
-                            <p:stCondLst>
-                              <p:cond delay="0"/>
-                            </p:stCondLst>
-                            <p:childTnLst>
-                              <p:par>
-                                <p:cTn id="5" presetID="1" presetClass="entr" presetSubtype="0" fill="hold" grpId="0" nodeType="clickEffect">
-                                  <p:stCondLst>
-                                    <p:cond delay="0"/>
-                                  </p:stCondLst>
-                                  <p:childTnLst>
-                                    <p:set>
-                                      <p:cBhvr>
-                                        <p:cTn id="6" dur="1" fill="hold">
-                                          <p:stCondLst>
-                                            <p:cond delay="0"/>
-                                          </p:stCondLst>
-                                        </p:cTn>
-                                        <p:tgtEl>
-                                          <p:spTgt spid="5"/>
-                                        </p:tgtEl>
-                                        <p:attrNameLst>
-                                          <p:attrName>style.visibility</p:attrName>
-                                        </p:attrNameLst>
-                                      </p:cBhvr>
-                                      <p:to>
-                                        <p:strVal val="visible"/>
-                                      </p:to>
-                                    </p:set>
-                                  </p:childTnLst>
-                                </p:cTn>
-                              </p:par>
-                            </p:childTnLst>
-                          </p:cTn>
-                        </p:par>
-                      </p:childTnLst>
-                    </p:cTn>
-                  </p:par>
-                </p:childTnLst>
-              </p:cTn>
-              <p:prevCondLst>
-                <p:cond evt="onPrev" delay="0">
-                  <p:tgtEl>
-                    <p:sldTgt/>
-                  </p:tgtEl>
-                </p:cond>
-              </p:prevCondLst>
-              <p:nextCondLst>
-                <p:cond evt="onNext" delay="0">
-                  <p:tgtEl>
-                    <p:sldTgt/>
-                  </p:tgtEl>
-                </p:cond>
-              </p:nextCondLst>
-            </p:seq>
-          </p:childTnLst>
-        </p:cTn>
-      </p:par>
-    </p:tnLst>
-    <p:bldLst>
-      <p:bldP spid="5" grpId="0"/>
-    </p:bldLst>
-  </p:timing>
 </p:sld>
 </file>
 
@@ -13164,8 +12966,8 @@
           </a:p>
         </p:txBody>
       </p:sp>
-      <mc:AlternateContent xmlns:mc="http://schemas.openxmlformats.org/markup-compatibility/2006">
-        <mc:Choice xmlns:a14="http://schemas.microsoft.com/office/drawing/2010/main" Requires="a14">
+      <mc:AlternateContent xmlns:mc="http://schemas.openxmlformats.org/markup-compatibility/2006" xmlns:a14="http://schemas.microsoft.com/office/drawing/2010/main">
+        <mc:Choice Requires="a14">
           <p:sp>
             <p:nvSpPr>
               <p:cNvPr id="2" name="TextBox 1">
@@ -13412,7 +13214,7 @@
             </p:txBody>
           </p:sp>
         </mc:Choice>
-        <mc:Fallback>
+        <mc:Fallback xmlns="">
           <p:sp>
             <p:nvSpPr>
               <p:cNvPr id="2" name="TextBox 1">
@@ -13467,130 +13269,6 @@
   <p:clrMapOvr>
     <a:masterClrMapping/>
   </p:clrMapOvr>
-  <p:timing>
-    <p:tnLst>
-      <p:par>
-        <p:cTn id="1" dur="indefinite" restart="never" nodeType="tmRoot">
-          <p:childTnLst>
-            <p:seq concurrent="1" nextAc="seek">
-              <p:cTn id="2" dur="indefinite" nodeType="mainSeq">
-                <p:childTnLst>
-                  <p:par>
-                    <p:cTn id="3" fill="hold">
-                      <p:stCondLst>
-                        <p:cond delay="indefinite"/>
-                      </p:stCondLst>
-                      <p:childTnLst>
-                        <p:par>
-                          <p:cTn id="4" fill="hold">
-                            <p:stCondLst>
-                              <p:cond delay="0"/>
-                            </p:stCondLst>
-                            <p:childTnLst>
-                              <p:par>
-                                <p:cTn id="5" presetID="1" presetClass="entr" presetSubtype="0" fill="hold" grpId="0" nodeType="clickEffect">
-                                  <p:stCondLst>
-                                    <p:cond delay="0"/>
-                                  </p:stCondLst>
-                                  <p:childTnLst>
-                                    <p:set>
-                                      <p:cBhvr>
-                                        <p:cTn id="6" dur="1" fill="hold">
-                                          <p:stCondLst>
-                                            <p:cond delay="0"/>
-                                          </p:stCondLst>
-                                        </p:cTn>
-                                        <p:tgtEl>
-                                          <p:spTgt spid="10"/>
-                                        </p:tgtEl>
-                                        <p:attrNameLst>
-                                          <p:attrName>style.visibility</p:attrName>
-                                        </p:attrNameLst>
-                                      </p:cBhvr>
-                                      <p:to>
-                                        <p:strVal val="visible"/>
-                                      </p:to>
-                                    </p:set>
-                                  </p:childTnLst>
-                                </p:cTn>
-                              </p:par>
-                            </p:childTnLst>
-                          </p:cTn>
-                        </p:par>
-                      </p:childTnLst>
-                    </p:cTn>
-                  </p:par>
-                  <p:par>
-                    <p:cTn id="7" fill="hold">
-                      <p:stCondLst>
-                        <p:cond delay="indefinite"/>
-                      </p:stCondLst>
-                      <p:childTnLst>
-                        <p:par>
-                          <p:cTn id="8" fill="hold">
-                            <p:stCondLst>
-                              <p:cond delay="0"/>
-                            </p:stCondLst>
-                            <p:childTnLst>
-                              <p:par>
-                                <p:cTn id="9" presetID="1" presetClass="entr" presetSubtype="0" fill="hold" grpId="0" nodeType="clickEffect">
-                                  <p:stCondLst>
-                                    <p:cond delay="0"/>
-                                  </p:stCondLst>
-                                  <p:childTnLst>
-                                    <p:set>
-                                      <p:cBhvr>
-                                        <p:cTn id="10" dur="1" fill="hold">
-                                          <p:stCondLst>
-                                            <p:cond delay="0"/>
-                                          </p:stCondLst>
-                                        </p:cTn>
-                                        <p:tgtEl>
-                                          <p:spTgt spid="2"/>
-                                        </p:tgtEl>
-                                        <p:attrNameLst>
-                                          <p:attrName>style.visibility</p:attrName>
-                                        </p:attrNameLst>
-                                      </p:cBhvr>
-                                      <p:to>
-                                        <p:strVal val="visible"/>
-                                      </p:to>
-                                    </p:set>
-                                  </p:childTnLst>
-                                </p:cTn>
-                              </p:par>
-                            </p:childTnLst>
-                          </p:cTn>
-                        </p:par>
-                      </p:childTnLst>
-                    </p:cTn>
-                  </p:par>
-                </p:childTnLst>
-              </p:cTn>
-              <p:prevCondLst>
-                <p:cond evt="onPrev" delay="0">
-                  <p:tgtEl>
-                    <p:sldTgt/>
-                  </p:tgtEl>
-                </p:cond>
-              </p:prevCondLst>
-              <p:nextCondLst>
-                <p:cond evt="onNext" delay="0">
-                  <p:tgtEl>
-                    <p:sldTgt/>
-                  </p:tgtEl>
-                </p:cond>
-              </p:nextCondLst>
-            </p:seq>
-          </p:childTnLst>
-        </p:cTn>
-      </p:par>
-    </p:tnLst>
-    <p:bldLst>
-      <p:bldP spid="10" grpId="0"/>
-      <p:bldP spid="2" grpId="0"/>
-    </p:bldLst>
-  </p:timing>
 </p:sld>
 </file>
 
